--- a/Python/4. Complex-Conditions/4. Complex-Conditions.pptx
+++ b/Python/4. Complex-Conditions/4. Complex-Conditions.pptx
@@ -254,7 +254,7 @@
             <a:fld id="{FE5B4EDC-59C0-49C7-8ADA-5A781B329E02}" type="datetimeFigureOut">
               <a:rPr lang="en-US"/>
               <a:pPr/>
-              <a:t>2/19/2017</a:t>
+              <a:t>2/28/2017</a:t>
             </a:fld>
             <a:endParaRPr dirty="0"/>
           </a:p>
@@ -453,7 +453,7 @@
             <a:fld id="{F2D8D46A-B586-417D-BFBD-8C8FE0AAF762}" type="datetimeFigureOut">
               <a:rPr lang="en-US" smtClean="0"/>
               <a:pPr/>
-              <a:t>2/19/2017</a:t>
+              <a:t>2/28/2017</a:t>
             </a:fld>
             <a:endParaRPr lang="en-US"/>
           </a:p>
@@ -2203,7 +2203,7 @@
             <a:fld id="{055373AC-9AA7-423B-BA00-BA1C74164DBD}" type="datetime1">
               <a:rPr lang="en-US" smtClean="0"/>
               <a:pPr/>
-              <a:t>2/19/2017</a:t>
+              <a:t>2/28/2017</a:t>
             </a:fld>
             <a:endParaRPr lang="en-US" dirty="0"/>
           </a:p>
@@ -3477,7 +3477,7 @@
             <a:fld id="{055373AC-9AA7-423B-BA00-BA1C74164DBD}" type="datetime1">
               <a:rPr lang="en-US" smtClean="0"/>
               <a:pPr/>
-              <a:t>2/19/2017</a:t>
+              <a:t>2/28/2017</a:t>
             </a:fld>
             <a:endParaRPr lang="en-US" dirty="0"/>
           </a:p>
@@ -5343,15 +5343,7 @@
             </a:r>
             <a:r>
               <a:rPr lang="bg-BG" smtClean="0"/>
-              <a:t>наляво </a:t>
-            </a:r>
-            <a:r>
-              <a:rPr lang="bg-BG" smtClean="0"/>
-              <a:t>от</a:t>
-            </a:r>
-            <a:r>
-              <a:rPr lang="bg-BG" smtClean="0"/>
-              <a:t> </a:t>
+              <a:t>наляво от </a:t>
             </a:r>
             <a:r>
               <a:rPr lang="bg-BG" dirty="0" smtClean="0"/>
@@ -5446,7 +5438,58 @@
                 <a:latin typeface="Consolas" pitchFamily="49" charset="0"/>
                 <a:cs typeface="Consolas" pitchFamily="49" charset="0"/>
               </a:rPr>
-              <a:t>x = 8; y = -1</a:t>
+              <a:t>x, y </a:t>
+            </a:r>
+            <a:r>
+              <a:rPr lang="en-US" b="1" noProof="1" smtClean="0">
+                <a:solidFill>
+                  <a:srgbClr val="FBEEDC"/>
+                </a:solidFill>
+                <a:effectLst>
+                  <a:outerShdw blurRad="38100" dist="38100" dir="2700000" algn="tl">
+                    <a:srgbClr val="000000">
+                      <a:alpha val="43137"/>
+                    </a:srgbClr>
+                  </a:outerShdw>
+                </a:effectLst>
+                <a:latin typeface="Consolas" pitchFamily="49" charset="0"/>
+                <a:cs typeface="Consolas" pitchFamily="49" charset="0"/>
+              </a:rPr>
+              <a:t>= </a:t>
+            </a:r>
+            <a:r>
+              <a:rPr lang="en-US" b="1" noProof="1" smtClean="0">
+                <a:solidFill>
+                  <a:srgbClr val="FBEEDC"/>
+                </a:solidFill>
+                <a:effectLst>
+                  <a:outerShdw blurRad="38100" dist="38100" dir="2700000" algn="tl">
+                    <a:srgbClr val="000000">
+                      <a:alpha val="43137"/>
+                    </a:srgbClr>
+                  </a:outerShdw>
+                </a:effectLst>
+                <a:latin typeface="Consolas" pitchFamily="49" charset="0"/>
+                <a:cs typeface="Consolas" pitchFamily="49" charset="0"/>
+              </a:rPr>
+              <a:t>8, </a:t>
+            </a:r>
+            <a:r>
+              <a:rPr lang="en-US" b="1" noProof="1" smtClean="0">
+                <a:solidFill>
+                  <a:srgbClr val="FBEEDC"/>
+                </a:solidFill>
+                <a:effectLst>
+                  <a:outerShdw blurRad="38100" dist="38100" dir="2700000" algn="tl">
+                    <a:srgbClr val="000000">
+                      <a:alpha val="43137"/>
+                    </a:srgbClr>
+                  </a:outerShdw>
+                </a:effectLst>
+                <a:latin typeface="Consolas" pitchFamily="49" charset="0"/>
+                <a:cs typeface="Consolas" pitchFamily="49" charset="0"/>
+              </a:rPr>
+              <a:t>-1</a:t>
             </a:r>
           </a:p>
           <a:p>
@@ -5460,6 +5503,23 @@
               <a:buSzPct val="70000"/>
             </a:pPr>
             <a:r>
+              <a:rPr lang="en-US" b="1" noProof="1">
+                <a:solidFill>
+                  <a:srgbClr val="FBEEDC"/>
+                </a:solidFill>
+                <a:effectLst>
+                  <a:outerShdw blurRad="38100" dist="38100" dir="2700000" algn="tl">
+                    <a:srgbClr val="000000">
+                      <a:alpha val="43137"/>
+                    </a:srgbClr>
+                  </a:outerShdw>
+                </a:effectLst>
+                <a:latin typeface="Consolas" pitchFamily="49" charset="0"/>
+                <a:cs typeface="Consolas" pitchFamily="49" charset="0"/>
+              </a:rPr>
+              <a:t>x</a:t>
+            </a:r>
+            <a:r>
               <a:rPr lang="en-US" b="1" noProof="1" smtClean="0">
                 <a:solidFill>
                   <a:srgbClr val="FBEEDC"/>
@@ -5474,7 +5534,58 @@
                 <a:latin typeface="Consolas" pitchFamily="49" charset="0"/>
                 <a:cs typeface="Consolas" pitchFamily="49" charset="0"/>
               </a:rPr>
-              <a:t>x1 = 2; y1 = -3</a:t>
+              <a:t>1, y1 </a:t>
+            </a:r>
+            <a:r>
+              <a:rPr lang="en-US" b="1" noProof="1" smtClean="0">
+                <a:solidFill>
+                  <a:srgbClr val="FBEEDC"/>
+                </a:solidFill>
+                <a:effectLst>
+                  <a:outerShdw blurRad="38100" dist="38100" dir="2700000" algn="tl">
+                    <a:srgbClr val="000000">
+                      <a:alpha val="43137"/>
+                    </a:srgbClr>
+                  </a:outerShdw>
+                </a:effectLst>
+                <a:latin typeface="Consolas" pitchFamily="49" charset="0"/>
+                <a:cs typeface="Consolas" pitchFamily="49" charset="0"/>
+              </a:rPr>
+              <a:t>= </a:t>
+            </a:r>
+            <a:r>
+              <a:rPr lang="en-US" b="1" noProof="1" smtClean="0">
+                <a:solidFill>
+                  <a:srgbClr val="FBEEDC"/>
+                </a:solidFill>
+                <a:effectLst>
+                  <a:outerShdw blurRad="38100" dist="38100" dir="2700000" algn="tl">
+                    <a:srgbClr val="000000">
+                      <a:alpha val="43137"/>
+                    </a:srgbClr>
+                  </a:outerShdw>
+                </a:effectLst>
+                <a:latin typeface="Consolas" pitchFamily="49" charset="0"/>
+                <a:cs typeface="Consolas" pitchFamily="49" charset="0"/>
+              </a:rPr>
+              <a:t>2, -</a:t>
+            </a:r>
+            <a:r>
+              <a:rPr lang="en-US" b="1" noProof="1" smtClean="0">
+                <a:solidFill>
+                  <a:srgbClr val="FBEEDC"/>
+                </a:solidFill>
+                <a:effectLst>
+                  <a:outerShdw blurRad="38100" dist="38100" dir="2700000" algn="tl">
+                    <a:srgbClr val="000000">
+                      <a:alpha val="43137"/>
+                    </a:srgbClr>
+                  </a:outerShdw>
+                </a:effectLst>
+                <a:latin typeface="Consolas" pitchFamily="49" charset="0"/>
+                <a:cs typeface="Consolas" pitchFamily="49" charset="0"/>
+              </a:rPr>
+              <a:t>3</a:t>
             </a:r>
           </a:p>
           <a:p>
@@ -5488,6 +5599,23 @@
               <a:buSzPct val="70000"/>
             </a:pPr>
             <a:r>
+              <a:rPr lang="en-US" b="1" noProof="1">
+                <a:solidFill>
+                  <a:srgbClr val="FBEEDC"/>
+                </a:solidFill>
+                <a:effectLst>
+                  <a:outerShdw blurRad="38100" dist="38100" dir="2700000" algn="tl">
+                    <a:srgbClr val="000000">
+                      <a:alpha val="43137"/>
+                    </a:srgbClr>
+                  </a:outerShdw>
+                </a:effectLst>
+                <a:latin typeface="Consolas" pitchFamily="49" charset="0"/>
+                <a:cs typeface="Consolas" pitchFamily="49" charset="0"/>
+              </a:rPr>
+              <a:t>x</a:t>
+            </a:r>
+            <a:r>
               <a:rPr lang="en-US" b="1" noProof="1" smtClean="0">
                 <a:solidFill>
                   <a:srgbClr val="FBEEDC"/>
@@ -5502,22 +5630,8 @@
                 <a:latin typeface="Consolas" pitchFamily="49" charset="0"/>
                 <a:cs typeface="Consolas" pitchFamily="49" charset="0"/>
               </a:rPr>
-              <a:t>x2 = 12; y2 = 3</a:t>
-            </a:r>
-          </a:p>
-          <a:p>
-            <a:pPr eaLnBrk="0" hangingPunct="0">
-              <a:spcBef>
-                <a:spcPts val="600"/>
-              </a:spcBef>
-              <a:buClr>
-                <a:schemeClr val="accent5">
-                  <a:lumMod val="40000"/>
-                  <a:lumOff val="60000"/>
-                </a:schemeClr>
-              </a:buClr>
-              <a:buSzPct val="70000"/>
-            </a:pPr>
+              <a:t>2, y2 </a:t>
+            </a:r>
             <a:r>
               <a:rPr lang="en-US" b="1" noProof="1" smtClean="0">
                 <a:solidFill>
@@ -5533,7 +5647,7 @@
                 <a:latin typeface="Consolas" pitchFamily="49" charset="0"/>
                 <a:cs typeface="Consolas" pitchFamily="49" charset="0"/>
               </a:rPr>
-              <a:t>if </a:t>
+              <a:t>= </a:t>
             </a:r>
             <a:r>
               <a:rPr lang="en-US" b="1" noProof="1" smtClean="0">
@@ -5550,183 +5664,7 @@
                 <a:latin typeface="Consolas" pitchFamily="49" charset="0"/>
                 <a:cs typeface="Consolas" pitchFamily="49" charset="0"/>
               </a:rPr>
-              <a:t>x </a:t>
-            </a:r>
-            <a:r>
-              <a:rPr lang="en-US" b="1" noProof="1" smtClean="0">
-                <a:solidFill>
-                  <a:srgbClr val="FBEEDC"/>
-                </a:solidFill>
-                <a:effectLst>
-                  <a:outerShdw blurRad="38100" dist="38100" dir="2700000" algn="tl">
-                    <a:srgbClr val="000000">
-                      <a:alpha val="43137"/>
-                    </a:srgbClr>
-                  </a:outerShdw>
-                </a:effectLst>
-                <a:latin typeface="Consolas" pitchFamily="49" charset="0"/>
-                <a:cs typeface="Consolas" pitchFamily="49" charset="0"/>
-              </a:rPr>
-              <a:t>&gt;= x1 </a:t>
-            </a:r>
-            <a:r>
-              <a:rPr lang="en-US" b="1" noProof="1" smtClean="0">
-                <a:solidFill>
-                  <a:schemeClr val="tx2">
-                    <a:lumMod val="75000"/>
-                  </a:schemeClr>
-                </a:solidFill>
-                <a:effectLst>
-                  <a:outerShdw blurRad="38100" dist="38100" dir="2700000" algn="tl">
-                    <a:srgbClr val="000000">
-                      <a:alpha val="43137"/>
-                    </a:srgbClr>
-                  </a:outerShdw>
-                </a:effectLst>
-                <a:latin typeface="Consolas" pitchFamily="49" charset="0"/>
-                <a:cs typeface="Consolas" pitchFamily="49" charset="0"/>
-              </a:rPr>
-              <a:t>and</a:t>
-            </a:r>
-            <a:r>
-              <a:rPr lang="en-US" b="1" noProof="1" smtClean="0">
-                <a:solidFill>
-                  <a:srgbClr val="FBEEDC"/>
-                </a:solidFill>
-                <a:effectLst>
-                  <a:outerShdw blurRad="38100" dist="38100" dir="2700000" algn="tl">
-                    <a:srgbClr val="000000">
-                      <a:alpha val="43137"/>
-                    </a:srgbClr>
-                  </a:outerShdw>
-                </a:effectLst>
-                <a:latin typeface="Consolas" pitchFamily="49" charset="0"/>
-                <a:cs typeface="Consolas" pitchFamily="49" charset="0"/>
-              </a:rPr>
-              <a:t> x &lt;= x2 </a:t>
-            </a:r>
-            <a:r>
-              <a:rPr lang="en-US" b="1" noProof="1" smtClean="0">
-                <a:solidFill>
-                  <a:schemeClr val="tx2">
-                    <a:lumMod val="75000"/>
-                  </a:schemeClr>
-                </a:solidFill>
-                <a:effectLst>
-                  <a:outerShdw blurRad="38100" dist="38100" dir="2700000" algn="tl">
-                    <a:srgbClr val="000000">
-                      <a:alpha val="43137"/>
-                    </a:srgbClr>
-                  </a:outerShdw>
-                </a:effectLst>
-                <a:latin typeface="Consolas" pitchFamily="49" charset="0"/>
-                <a:cs typeface="Consolas" pitchFamily="49" charset="0"/>
-              </a:rPr>
-              <a:t>and </a:t>
-            </a:r>
-            <a:r>
-              <a:rPr lang="en-US" b="1" noProof="1" smtClean="0">
-                <a:solidFill>
-                  <a:srgbClr val="FBEEDC"/>
-                </a:solidFill>
-                <a:effectLst>
-                  <a:outerShdw blurRad="38100" dist="38100" dir="2700000" algn="tl">
-                    <a:srgbClr val="000000">
-                      <a:alpha val="43137"/>
-                    </a:srgbClr>
-                  </a:outerShdw>
-                </a:effectLst>
-                <a:latin typeface="Consolas" pitchFamily="49" charset="0"/>
-                <a:cs typeface="Consolas" pitchFamily="49" charset="0"/>
-              </a:rPr>
-              <a:t>y &gt;=</a:t>
-            </a:r>
-            <a:r>
-              <a:rPr lang="bg-BG" b="1" noProof="1" smtClean="0">
-                <a:solidFill>
-                  <a:srgbClr val="FBEEDC"/>
-                </a:solidFill>
-                <a:effectLst>
-                  <a:outerShdw blurRad="38100" dist="38100" dir="2700000" algn="tl">
-                    <a:srgbClr val="000000">
-                      <a:alpha val="43137"/>
-                    </a:srgbClr>
-                  </a:outerShdw>
-                </a:effectLst>
-                <a:latin typeface="Consolas" pitchFamily="49" charset="0"/>
-                <a:cs typeface="Consolas" pitchFamily="49" charset="0"/>
-              </a:rPr>
-              <a:t> </a:t>
-            </a:r>
-            <a:r>
-              <a:rPr lang="en-US" b="1" noProof="1" smtClean="0">
-                <a:solidFill>
-                  <a:srgbClr val="FBEEDC"/>
-                </a:solidFill>
-                <a:effectLst>
-                  <a:outerShdw blurRad="38100" dist="38100" dir="2700000" algn="tl">
-                    <a:srgbClr val="000000">
-                      <a:alpha val="43137"/>
-                    </a:srgbClr>
-                  </a:outerShdw>
-                </a:effectLst>
-                <a:latin typeface="Consolas" pitchFamily="49" charset="0"/>
-                <a:cs typeface="Consolas" pitchFamily="49" charset="0"/>
-              </a:rPr>
-              <a:t>y1 </a:t>
-            </a:r>
-            <a:r>
-              <a:rPr lang="en-US" b="1" noProof="1" smtClean="0">
-                <a:solidFill>
-                  <a:schemeClr val="tx2">
-                    <a:lumMod val="75000"/>
-                  </a:schemeClr>
-                </a:solidFill>
-                <a:effectLst>
-                  <a:outerShdw blurRad="38100" dist="38100" dir="2700000" algn="tl">
-                    <a:srgbClr val="000000">
-                      <a:alpha val="43137"/>
-                    </a:srgbClr>
-                  </a:outerShdw>
-                </a:effectLst>
-                <a:latin typeface="Consolas" pitchFamily="49" charset="0"/>
-                <a:cs typeface="Consolas" pitchFamily="49" charset="0"/>
-              </a:rPr>
-              <a:t>and</a:t>
-            </a:r>
-            <a:r>
-              <a:rPr lang="en-US" b="1" noProof="1" smtClean="0">
-                <a:solidFill>
-                  <a:srgbClr val="FBEEDC"/>
-                </a:solidFill>
-                <a:effectLst>
-                  <a:outerShdw blurRad="38100" dist="38100" dir="2700000" algn="tl">
-                    <a:srgbClr val="000000">
-                      <a:alpha val="43137"/>
-                    </a:srgbClr>
-                  </a:outerShdw>
-                </a:effectLst>
-                <a:latin typeface="Consolas" pitchFamily="49" charset="0"/>
-                <a:cs typeface="Consolas" pitchFamily="49" charset="0"/>
-              </a:rPr>
-              <a:t> y &lt;= </a:t>
-            </a:r>
-            <a:r>
-              <a:rPr lang="en-US" b="1" noProof="1" smtClean="0">
-                <a:solidFill>
-                  <a:srgbClr val="FBEEDC"/>
-                </a:solidFill>
-                <a:effectLst>
-                  <a:outerShdw blurRad="38100" dist="38100" dir="2700000" algn="tl">
-                    <a:srgbClr val="000000">
-                      <a:alpha val="43137"/>
-                    </a:srgbClr>
-                  </a:outerShdw>
-                </a:effectLst>
-                <a:latin typeface="Consolas" pitchFamily="49" charset="0"/>
-                <a:cs typeface="Consolas" pitchFamily="49" charset="0"/>
-              </a:rPr>
-              <a:t>y2:</a:t>
+              <a:t>12, 3</a:t>
             </a:r>
             <a:endParaRPr lang="en-US" b="1" noProof="1" smtClean="0">
               <a:solidFill>
@@ -5742,6 +5680,179 @@
               <a:latin typeface="Consolas" pitchFamily="49" charset="0"/>
               <a:cs typeface="Consolas" pitchFamily="49" charset="0"/>
             </a:endParaRPr>
+          </a:p>
+          <a:p>
+            <a:pPr eaLnBrk="0" hangingPunct="0">
+              <a:spcBef>
+                <a:spcPts val="600"/>
+              </a:spcBef>
+              <a:buClr>
+                <a:schemeClr val="accent5">
+                  <a:lumMod val="40000"/>
+                  <a:lumOff val="60000"/>
+                </a:schemeClr>
+              </a:buClr>
+              <a:buSzPct val="70000"/>
+            </a:pPr>
+            <a:r>
+              <a:rPr lang="en-US" b="1" noProof="1" smtClean="0">
+                <a:solidFill>
+                  <a:srgbClr val="FBEEDC"/>
+                </a:solidFill>
+                <a:effectLst>
+                  <a:outerShdw blurRad="38100" dist="38100" dir="2700000" algn="tl">
+                    <a:srgbClr val="000000">
+                      <a:alpha val="43137"/>
+                    </a:srgbClr>
+                  </a:outerShdw>
+                </a:effectLst>
+                <a:latin typeface="Consolas" pitchFamily="49" charset="0"/>
+                <a:cs typeface="Consolas" pitchFamily="49" charset="0"/>
+              </a:rPr>
+              <a:t>if x &gt;= x1 </a:t>
+            </a:r>
+            <a:r>
+              <a:rPr lang="en-US" b="1" noProof="1" smtClean="0">
+                <a:solidFill>
+                  <a:schemeClr val="tx2">
+                    <a:lumMod val="75000"/>
+                  </a:schemeClr>
+                </a:solidFill>
+                <a:effectLst>
+                  <a:outerShdw blurRad="38100" dist="38100" dir="2700000" algn="tl">
+                    <a:srgbClr val="000000">
+                      <a:alpha val="43137"/>
+                    </a:srgbClr>
+                  </a:outerShdw>
+                </a:effectLst>
+                <a:latin typeface="Consolas" pitchFamily="49" charset="0"/>
+                <a:cs typeface="Consolas" pitchFamily="49" charset="0"/>
+              </a:rPr>
+              <a:t>and</a:t>
+            </a:r>
+            <a:r>
+              <a:rPr lang="en-US" b="1" noProof="1" smtClean="0">
+                <a:solidFill>
+                  <a:srgbClr val="FBEEDC"/>
+                </a:solidFill>
+                <a:effectLst>
+                  <a:outerShdw blurRad="38100" dist="38100" dir="2700000" algn="tl">
+                    <a:srgbClr val="000000">
+                      <a:alpha val="43137"/>
+                    </a:srgbClr>
+                  </a:outerShdw>
+                </a:effectLst>
+                <a:latin typeface="Consolas" pitchFamily="49" charset="0"/>
+                <a:cs typeface="Consolas" pitchFamily="49" charset="0"/>
+              </a:rPr>
+              <a:t> x &lt;= x2 </a:t>
+            </a:r>
+            <a:r>
+              <a:rPr lang="en-US" b="1" noProof="1" smtClean="0">
+                <a:solidFill>
+                  <a:schemeClr val="tx2">
+                    <a:lumMod val="75000"/>
+                  </a:schemeClr>
+                </a:solidFill>
+                <a:effectLst>
+                  <a:outerShdw blurRad="38100" dist="38100" dir="2700000" algn="tl">
+                    <a:srgbClr val="000000">
+                      <a:alpha val="43137"/>
+                    </a:srgbClr>
+                  </a:outerShdw>
+                </a:effectLst>
+                <a:latin typeface="Consolas" pitchFamily="49" charset="0"/>
+                <a:cs typeface="Consolas" pitchFamily="49" charset="0"/>
+              </a:rPr>
+              <a:t>and </a:t>
+            </a:r>
+            <a:r>
+              <a:rPr lang="en-US" b="1" noProof="1" smtClean="0">
+                <a:solidFill>
+                  <a:srgbClr val="FBEEDC"/>
+                </a:solidFill>
+                <a:effectLst>
+                  <a:outerShdw blurRad="38100" dist="38100" dir="2700000" algn="tl">
+                    <a:srgbClr val="000000">
+                      <a:alpha val="43137"/>
+                    </a:srgbClr>
+                  </a:outerShdw>
+                </a:effectLst>
+                <a:latin typeface="Consolas" pitchFamily="49" charset="0"/>
+                <a:cs typeface="Consolas" pitchFamily="49" charset="0"/>
+              </a:rPr>
+              <a:t>y &gt;=</a:t>
+            </a:r>
+            <a:r>
+              <a:rPr lang="bg-BG" b="1" noProof="1" smtClean="0">
+                <a:solidFill>
+                  <a:srgbClr val="FBEEDC"/>
+                </a:solidFill>
+                <a:effectLst>
+                  <a:outerShdw blurRad="38100" dist="38100" dir="2700000" algn="tl">
+                    <a:srgbClr val="000000">
+                      <a:alpha val="43137"/>
+                    </a:srgbClr>
+                  </a:outerShdw>
+                </a:effectLst>
+                <a:latin typeface="Consolas" pitchFamily="49" charset="0"/>
+                <a:cs typeface="Consolas" pitchFamily="49" charset="0"/>
+              </a:rPr>
+              <a:t> </a:t>
+            </a:r>
+            <a:r>
+              <a:rPr lang="en-US" b="1" noProof="1" smtClean="0">
+                <a:solidFill>
+                  <a:srgbClr val="FBEEDC"/>
+                </a:solidFill>
+                <a:effectLst>
+                  <a:outerShdw blurRad="38100" dist="38100" dir="2700000" algn="tl">
+                    <a:srgbClr val="000000">
+                      <a:alpha val="43137"/>
+                    </a:srgbClr>
+                  </a:outerShdw>
+                </a:effectLst>
+                <a:latin typeface="Consolas" pitchFamily="49" charset="0"/>
+                <a:cs typeface="Consolas" pitchFamily="49" charset="0"/>
+              </a:rPr>
+              <a:t>y1 </a:t>
+            </a:r>
+            <a:r>
+              <a:rPr lang="en-US" b="1" noProof="1" smtClean="0">
+                <a:solidFill>
+                  <a:schemeClr val="tx2">
+                    <a:lumMod val="75000"/>
+                  </a:schemeClr>
+                </a:solidFill>
+                <a:effectLst>
+                  <a:outerShdw blurRad="38100" dist="38100" dir="2700000" algn="tl">
+                    <a:srgbClr val="000000">
+                      <a:alpha val="43137"/>
+                    </a:srgbClr>
+                  </a:outerShdw>
+                </a:effectLst>
+                <a:latin typeface="Consolas" pitchFamily="49" charset="0"/>
+                <a:cs typeface="Consolas" pitchFamily="49" charset="0"/>
+              </a:rPr>
+              <a:t>and</a:t>
+            </a:r>
+            <a:r>
+              <a:rPr lang="en-US" b="1" noProof="1" smtClean="0">
+                <a:solidFill>
+                  <a:srgbClr val="FBEEDC"/>
+                </a:solidFill>
+                <a:effectLst>
+                  <a:outerShdw blurRad="38100" dist="38100" dir="2700000" algn="tl">
+                    <a:srgbClr val="000000">
+                      <a:alpha val="43137"/>
+                    </a:srgbClr>
+                  </a:outerShdw>
+                </a:effectLst>
+                <a:latin typeface="Consolas" pitchFamily="49" charset="0"/>
+                <a:cs typeface="Consolas" pitchFamily="49" charset="0"/>
+              </a:rPr>
+              <a:t> y &lt;= y2:</a:t>
+            </a:r>
           </a:p>
           <a:p>
             <a:pPr eaLnBrk="0" hangingPunct="0">
@@ -20868,13 +20979,7 @@
               <a:rPr lang="en-US" dirty="0" smtClean="0">
                 <a:hlinkClick r:id="rId3"/>
               </a:rPr>
-              <a:t>https://softuni.bg/courses/programming-basics</a:t>
-            </a:r>
-            <a:r>
-              <a:rPr lang="en-US" dirty="0" smtClean="0">
-                <a:hlinkClick r:id="rId3"/>
-              </a:rPr>
-              <a:t>/</a:t>
+              <a:t>https://softuni.bg/courses/programming-basics/</a:t>
             </a:r>
             <a:endParaRPr lang="en-US" dirty="0"/>
           </a:p>
